--- a/layer.pptx
+++ b/layer.pptx
@@ -289,7 +289,7 @@
             <a:fld id="{FB72B37E-6FB9-4307-853D-985191EC249F}" type="datetimeFigureOut">
               <a:rPr lang="en-SG" smtClean="0"/>
               <a:pPr/>
-              <a:t>17/4/2015</a:t>
+              <a:t>21/4/2015</a:t>
             </a:fld>
             <a:endParaRPr lang="en-SG"/>
           </a:p>
@@ -456,7 +456,7 @@
             <a:fld id="{FB72B37E-6FB9-4307-853D-985191EC249F}" type="datetimeFigureOut">
               <a:rPr lang="en-SG" smtClean="0"/>
               <a:pPr/>
-              <a:t>17/4/2015</a:t>
+              <a:t>21/4/2015</a:t>
             </a:fld>
             <a:endParaRPr lang="en-SG"/>
           </a:p>
@@ -633,7 +633,7 @@
             <a:fld id="{FB72B37E-6FB9-4307-853D-985191EC249F}" type="datetimeFigureOut">
               <a:rPr lang="en-SG" smtClean="0"/>
               <a:pPr/>
-              <a:t>17/4/2015</a:t>
+              <a:t>21/4/2015</a:t>
             </a:fld>
             <a:endParaRPr lang="en-SG"/>
           </a:p>
@@ -800,7 +800,7 @@
             <a:fld id="{FB72B37E-6FB9-4307-853D-985191EC249F}" type="datetimeFigureOut">
               <a:rPr lang="en-SG" smtClean="0"/>
               <a:pPr/>
-              <a:t>17/4/2015</a:t>
+              <a:t>21/4/2015</a:t>
             </a:fld>
             <a:endParaRPr lang="en-SG"/>
           </a:p>
@@ -1043,7 +1043,7 @@
             <a:fld id="{FB72B37E-6FB9-4307-853D-985191EC249F}" type="datetimeFigureOut">
               <a:rPr lang="en-SG" smtClean="0"/>
               <a:pPr/>
-              <a:t>17/4/2015</a:t>
+              <a:t>21/4/2015</a:t>
             </a:fld>
             <a:endParaRPr lang="en-SG"/>
           </a:p>
@@ -1328,7 +1328,7 @@
             <a:fld id="{FB72B37E-6FB9-4307-853D-985191EC249F}" type="datetimeFigureOut">
               <a:rPr lang="en-SG" smtClean="0"/>
               <a:pPr/>
-              <a:t>17/4/2015</a:t>
+              <a:t>21/4/2015</a:t>
             </a:fld>
             <a:endParaRPr lang="en-SG"/>
           </a:p>
@@ -1747,7 +1747,7 @@
             <a:fld id="{FB72B37E-6FB9-4307-853D-985191EC249F}" type="datetimeFigureOut">
               <a:rPr lang="en-SG" smtClean="0"/>
               <a:pPr/>
-              <a:t>17/4/2015</a:t>
+              <a:t>21/4/2015</a:t>
             </a:fld>
             <a:endParaRPr lang="en-SG"/>
           </a:p>
@@ -1862,7 +1862,7 @@
             <a:fld id="{FB72B37E-6FB9-4307-853D-985191EC249F}" type="datetimeFigureOut">
               <a:rPr lang="en-SG" smtClean="0"/>
               <a:pPr/>
-              <a:t>17/4/2015</a:t>
+              <a:t>21/4/2015</a:t>
             </a:fld>
             <a:endParaRPr lang="en-SG"/>
           </a:p>
@@ -1954,7 +1954,7 @@
             <a:fld id="{FB72B37E-6FB9-4307-853D-985191EC249F}" type="datetimeFigureOut">
               <a:rPr lang="en-SG" smtClean="0"/>
               <a:pPr/>
-              <a:t>17/4/2015</a:t>
+              <a:t>21/4/2015</a:t>
             </a:fld>
             <a:endParaRPr lang="en-SG"/>
           </a:p>
@@ -2228,7 +2228,7 @@
             <a:fld id="{FB72B37E-6FB9-4307-853D-985191EC249F}" type="datetimeFigureOut">
               <a:rPr lang="en-SG" smtClean="0"/>
               <a:pPr/>
-              <a:t>17/4/2015</a:t>
+              <a:t>21/4/2015</a:t>
             </a:fld>
             <a:endParaRPr lang="en-SG"/>
           </a:p>
@@ -2478,7 +2478,7 @@
             <a:fld id="{FB72B37E-6FB9-4307-853D-985191EC249F}" type="datetimeFigureOut">
               <a:rPr lang="en-SG" smtClean="0"/>
               <a:pPr/>
-              <a:t>17/4/2015</a:t>
+              <a:t>21/4/2015</a:t>
             </a:fld>
             <a:endParaRPr lang="en-SG"/>
           </a:p>
@@ -2688,7 +2688,7 @@
             <a:fld id="{FB72B37E-6FB9-4307-853D-985191EC249F}" type="datetimeFigureOut">
               <a:rPr lang="en-SG" smtClean="0"/>
               <a:pPr/>
-              <a:t>17/4/2015</a:t>
+              <a:t>21/4/2015</a:t>
             </a:fld>
             <a:endParaRPr lang="en-SG"/>
           </a:p>
@@ -3068,7 +3068,7 @@
         <p:spPr>
           <a:xfrm>
             <a:off x="899592" y="4499828"/>
-            <a:ext cx="7272808" cy="0"/>
+            <a:ext cx="5904656" cy="9292"/>
           </a:xfrm>
           <a:prstGeom prst="straightConnector1">
             <a:avLst/>
@@ -3217,7 +3217,7 @@
         </p:nvSpPr>
         <p:spPr>
           <a:xfrm>
-            <a:off x="7956376" y="4562544"/>
+            <a:off x="6876256" y="4293096"/>
             <a:ext cx="504056" cy="369332"/>
           </a:xfrm>
           <a:prstGeom prst="rect">
